--- a/DA3.pptx
+++ b/DA3.pptx
@@ -12,8 +12,6 @@
     <p:sldId id="268" r:id="rId6"/>
     <p:sldId id="262" r:id="rId7"/>
     <p:sldId id="260" r:id="rId8"/>
-    <p:sldId id="264" r:id="rId9"/>
-    <p:sldId id="266" r:id="rId10"/>
   </p:sldIdLst>
   <p:sldSz cx="12192000" cy="6858000"/>
   <p:notesSz cx="6858000" cy="9144000"/>
@@ -8816,165 +8814,15 @@
           </a:p>
           <a:p>
             <a:r>
-              <a:rPr lang="en-US" dirty="0" err="1">
+              <a:rPr lang="en-US" dirty="0">
                 <a:solidFill>
                   <a:schemeClr val="tx1"/>
                 </a:solidFill>
                 <a:latin typeface="Times New Roman" panose="02020603050405020304" pitchFamily="18" charset="0"/>
                 <a:cs typeface="Times New Roman" panose="02020603050405020304" pitchFamily="18" charset="0"/>
               </a:rPr>
-              <a:t>Phân</a:t>
-            </a:r>
-            <a:r>
-              <a:rPr lang="en-US" dirty="0">
-                <a:solidFill>
-                  <a:schemeClr val="tx1"/>
-                </a:solidFill>
-                <a:latin typeface="Times New Roman" panose="02020603050405020304" pitchFamily="18" charset="0"/>
-                <a:cs typeface="Times New Roman" panose="02020603050405020304" pitchFamily="18" charset="0"/>
-              </a:rPr>
-              <a:t> </a:t>
-            </a:r>
-            <a:r>
-              <a:rPr lang="en-US" dirty="0" err="1">
-                <a:solidFill>
-                  <a:schemeClr val="tx1"/>
-                </a:solidFill>
-                <a:latin typeface="Times New Roman" panose="02020603050405020304" pitchFamily="18" charset="0"/>
-                <a:cs typeface="Times New Roman" panose="02020603050405020304" pitchFamily="18" charset="0"/>
-              </a:rPr>
-              <a:t>tích</a:t>
-            </a:r>
-            <a:r>
-              <a:rPr lang="en-US" dirty="0">
-                <a:solidFill>
-                  <a:schemeClr val="tx1"/>
-                </a:solidFill>
-                <a:latin typeface="Times New Roman" panose="02020603050405020304" pitchFamily="18" charset="0"/>
-                <a:cs typeface="Times New Roman" panose="02020603050405020304" pitchFamily="18" charset="0"/>
-              </a:rPr>
-              <a:t> </a:t>
-            </a:r>
-            <a:r>
-              <a:rPr lang="en-US" dirty="0" err="1">
-                <a:solidFill>
-                  <a:schemeClr val="tx1"/>
-                </a:solidFill>
-                <a:latin typeface="Times New Roman" panose="02020603050405020304" pitchFamily="18" charset="0"/>
-                <a:cs typeface="Times New Roman" panose="02020603050405020304" pitchFamily="18" charset="0"/>
-              </a:rPr>
-              <a:t>và</a:t>
-            </a:r>
-            <a:r>
-              <a:rPr lang="en-US" dirty="0">
-                <a:solidFill>
-                  <a:schemeClr val="tx1"/>
-                </a:solidFill>
-                <a:latin typeface="Times New Roman" panose="02020603050405020304" pitchFamily="18" charset="0"/>
-                <a:cs typeface="Times New Roman" panose="02020603050405020304" pitchFamily="18" charset="0"/>
-              </a:rPr>
-              <a:t> </a:t>
-            </a:r>
-            <a:r>
-              <a:rPr lang="en-US" dirty="0" err="1">
-                <a:solidFill>
-                  <a:schemeClr val="tx1"/>
-                </a:solidFill>
-                <a:latin typeface="Times New Roman" panose="02020603050405020304" pitchFamily="18" charset="0"/>
-                <a:cs typeface="Times New Roman" panose="02020603050405020304" pitchFamily="18" charset="0"/>
-              </a:rPr>
-              <a:t>thiết</a:t>
-            </a:r>
-            <a:r>
-              <a:rPr lang="en-US" dirty="0">
-                <a:solidFill>
-                  <a:schemeClr val="tx1"/>
-                </a:solidFill>
-                <a:latin typeface="Times New Roman" panose="02020603050405020304" pitchFamily="18" charset="0"/>
-                <a:cs typeface="Times New Roman" panose="02020603050405020304" pitchFamily="18" charset="0"/>
-              </a:rPr>
-              <a:t> </a:t>
-            </a:r>
-            <a:r>
-              <a:rPr lang="en-US" dirty="0" err="1">
-                <a:solidFill>
-                  <a:schemeClr val="tx1"/>
-                </a:solidFill>
-                <a:latin typeface="Times New Roman" panose="02020603050405020304" pitchFamily="18" charset="0"/>
-                <a:cs typeface="Times New Roman" panose="02020603050405020304" pitchFamily="18" charset="0"/>
-              </a:rPr>
-              <a:t>kế</a:t>
-            </a:r>
-            <a:endParaRPr lang="en-US" dirty="0">
-              <a:solidFill>
-                <a:schemeClr val="tx1"/>
-              </a:solidFill>
-              <a:latin typeface="Times New Roman" panose="02020603050405020304" pitchFamily="18" charset="0"/>
-              <a:cs typeface="Times New Roman" panose="02020603050405020304" pitchFamily="18" charset="0"/>
-            </a:endParaRPr>
-          </a:p>
-          <a:p>
-            <a:pPr lvl="1"/>
-            <a:r>
-              <a:rPr lang="en-US" dirty="0">
-                <a:solidFill>
-                  <a:schemeClr val="tx1"/>
-                </a:solidFill>
-                <a:latin typeface="Times New Roman" panose="02020603050405020304" pitchFamily="18" charset="0"/>
-                <a:cs typeface="Times New Roman" panose="02020603050405020304" pitchFamily="18" charset="0"/>
-              </a:rPr>
-              <a:t>Database diagram</a:t>
-            </a:r>
-          </a:p>
-          <a:p>
-            <a:pPr lvl="1"/>
-            <a:r>
-              <a:rPr lang="en-US" dirty="0">
-                <a:solidFill>
-                  <a:schemeClr val="tx1"/>
-                </a:solidFill>
-                <a:latin typeface="Times New Roman" panose="02020603050405020304" pitchFamily="18" charset="0"/>
-                <a:cs typeface="Times New Roman" panose="02020603050405020304" pitchFamily="18" charset="0"/>
-              </a:rPr>
-              <a:t>Mockup </a:t>
-            </a:r>
-            <a:r>
-              <a:rPr lang="en-US" dirty="0" err="1">
-                <a:solidFill>
-                  <a:schemeClr val="tx1"/>
-                </a:solidFill>
-                <a:latin typeface="Times New Roman" panose="02020603050405020304" pitchFamily="18" charset="0"/>
-                <a:cs typeface="Times New Roman" panose="02020603050405020304" pitchFamily="18" charset="0"/>
-              </a:rPr>
-              <a:t>giao</a:t>
-            </a:r>
-            <a:r>
-              <a:rPr lang="en-US" dirty="0">
-                <a:solidFill>
-                  <a:schemeClr val="tx1"/>
-                </a:solidFill>
-                <a:latin typeface="Times New Roman" panose="02020603050405020304" pitchFamily="18" charset="0"/>
-                <a:cs typeface="Times New Roman" panose="02020603050405020304" pitchFamily="18" charset="0"/>
-              </a:rPr>
-              <a:t> </a:t>
-            </a:r>
-            <a:r>
-              <a:rPr lang="en-US" dirty="0" err="1">
-                <a:solidFill>
-                  <a:schemeClr val="tx1"/>
-                </a:solidFill>
-                <a:latin typeface="Times New Roman" panose="02020603050405020304" pitchFamily="18" charset="0"/>
-                <a:cs typeface="Times New Roman" panose="02020603050405020304" pitchFamily="18" charset="0"/>
-              </a:rPr>
-              <a:t>diện</a:t>
-            </a:r>
-            <a:endParaRPr lang="en-US" dirty="0">
-              <a:solidFill>
-                <a:schemeClr val="tx1"/>
-              </a:solidFill>
-              <a:latin typeface="Times New Roman" panose="02020603050405020304" pitchFamily="18" charset="0"/>
-              <a:cs typeface="Times New Roman" panose="02020603050405020304" pitchFamily="18" charset="0"/>
-            </a:endParaRPr>
+              <a:t>Demo</a:t>
+            </a:r>
           </a:p>
         </p:txBody>
       </p:sp>
@@ -12066,6 +11914,53 @@
           </a:p>
         </p:txBody>
       </p:sp>
+      <p:pic>
+        <p:nvPicPr>
+          <p:cNvPr id="2056" name="Picture 8" descr="Article, checklist, composition, editorial, feature icon - Download on  Iconfinder">
+            <a:extLst>
+              <a:ext uri="{FF2B5EF4-FFF2-40B4-BE49-F238E27FC236}">
+                <a16:creationId xmlns:a16="http://schemas.microsoft.com/office/drawing/2014/main" id="{D9F297E6-CFB0-64C8-B681-EB75A12C89B4}"/>
+              </a:ext>
+            </a:extLst>
+          </p:cNvPr>
+          <p:cNvPicPr>
+            <a:picLocks noChangeAspect="1" noChangeArrowheads="1"/>
+          </p:cNvPicPr>
+          <p:nvPr/>
+        </p:nvPicPr>
+        <p:blipFill>
+          <a:blip r:embed="rId2">
+            <a:extLst>
+              <a:ext uri="{28A0092B-C50C-407E-A947-70E740481C1C}">
+                <a14:useLocalDpi xmlns:a14="http://schemas.microsoft.com/office/drawing/2010/main" val="0"/>
+              </a:ext>
+            </a:extLst>
+          </a:blip>
+          <a:srcRect/>
+          <a:stretch>
+            <a:fillRect/>
+          </a:stretch>
+        </p:blipFill>
+        <p:spPr bwMode="auto">
+          <a:xfrm>
+            <a:off x="9332562" y="624110"/>
+            <a:ext cx="2172050" cy="2172050"/>
+          </a:xfrm>
+          <a:prstGeom prst="rect">
+            <a:avLst/>
+          </a:prstGeom>
+          <a:noFill/>
+          <a:extLst>
+            <a:ext uri="{909E8E84-426E-40DD-AFC4-6F175D3DCCD1}">
+              <a14:hiddenFill xmlns:a14="http://schemas.microsoft.com/office/drawing/2010/main">
+                <a:solidFill>
+                  <a:srgbClr val="FFFFFF"/>
+                </a:solidFill>
+              </a14:hiddenFill>
+            </a:ext>
+          </a:extLst>
+        </p:spPr>
+      </p:pic>
     </p:spTree>
     <p:extLst>
       <p:ext uri="{BB962C8B-B14F-4D97-AF65-F5344CB8AC3E}">
@@ -12292,6 +12187,42 @@
           </a:p>
         </p:txBody>
       </p:sp>
+      <p:pic>
+        <p:nvPicPr>
+          <p:cNvPr id="7" name="Picture 6">
+            <a:extLst>
+              <a:ext uri="{FF2B5EF4-FFF2-40B4-BE49-F238E27FC236}">
+                <a16:creationId xmlns:a16="http://schemas.microsoft.com/office/drawing/2014/main" id="{42673589-073A-2EA3-34A1-2FD02551FB1C}"/>
+              </a:ext>
+            </a:extLst>
+          </p:cNvPr>
+          <p:cNvPicPr>
+            <a:picLocks noChangeAspect="1"/>
+          </p:cNvPicPr>
+          <p:nvPr/>
+        </p:nvPicPr>
+        <p:blipFill>
+          <a:blip r:embed="rId2">
+            <a:extLst>
+              <a:ext uri="{28A0092B-C50C-407E-A947-70E740481C1C}">
+                <a14:useLocalDpi xmlns:a14="http://schemas.microsoft.com/office/drawing/2010/main" val="0"/>
+              </a:ext>
+            </a:extLst>
+          </a:blip>
+          <a:stretch>
+            <a:fillRect/>
+          </a:stretch>
+        </p:blipFill>
+        <p:spPr>
+          <a:xfrm>
+            <a:off x="8596428" y="756036"/>
+            <a:ext cx="2676794" cy="1819384"/>
+          </a:xfrm>
+          <a:prstGeom prst="rect">
+            <a:avLst/>
+          </a:prstGeom>
+        </p:spPr>
+      </p:pic>
     </p:spTree>
     <p:extLst>
       <p:ext uri="{BB962C8B-B14F-4D97-AF65-F5344CB8AC3E}">
@@ -12344,341 +12275,70 @@
           <a:lstStyle/>
           <a:p>
             <a:r>
-              <a:rPr lang="en-US" dirty="0" err="1">
+              <a:rPr lang="en-US" dirty="0">
                 <a:solidFill>
                   <a:schemeClr val="tx1"/>
                 </a:solidFill>
                 <a:latin typeface="Times New Roman" panose="02020603050405020304" pitchFamily="18" charset="0"/>
                 <a:cs typeface="Times New Roman" panose="02020603050405020304" pitchFamily="18" charset="0"/>
               </a:rPr>
-              <a:t>Phân</a:t>
-            </a:r>
-            <a:r>
-              <a:rPr lang="en-US" dirty="0">
-                <a:solidFill>
-                  <a:schemeClr val="tx1"/>
-                </a:solidFill>
-                <a:latin typeface="Times New Roman" panose="02020603050405020304" pitchFamily="18" charset="0"/>
-                <a:cs typeface="Times New Roman" panose="02020603050405020304" pitchFamily="18" charset="0"/>
-              </a:rPr>
-              <a:t> </a:t>
-            </a:r>
-            <a:r>
-              <a:rPr lang="en-US" dirty="0" err="1">
-                <a:solidFill>
-                  <a:schemeClr val="tx1"/>
-                </a:solidFill>
-                <a:latin typeface="Times New Roman" panose="02020603050405020304" pitchFamily="18" charset="0"/>
-                <a:cs typeface="Times New Roman" panose="02020603050405020304" pitchFamily="18" charset="0"/>
-              </a:rPr>
-              <a:t>tích</a:t>
-            </a:r>
-            <a:r>
-              <a:rPr lang="en-US" dirty="0">
-                <a:solidFill>
-                  <a:schemeClr val="tx1"/>
-                </a:solidFill>
-                <a:latin typeface="Times New Roman" panose="02020603050405020304" pitchFamily="18" charset="0"/>
-                <a:cs typeface="Times New Roman" panose="02020603050405020304" pitchFamily="18" charset="0"/>
-              </a:rPr>
-              <a:t> </a:t>
-            </a:r>
-            <a:r>
-              <a:rPr lang="en-US" dirty="0" err="1">
-                <a:solidFill>
-                  <a:schemeClr val="tx1"/>
-                </a:solidFill>
-                <a:latin typeface="Times New Roman" panose="02020603050405020304" pitchFamily="18" charset="0"/>
-                <a:cs typeface="Times New Roman" panose="02020603050405020304" pitchFamily="18" charset="0"/>
-              </a:rPr>
-              <a:t>và</a:t>
-            </a:r>
-            <a:r>
-              <a:rPr lang="en-US" dirty="0">
-                <a:solidFill>
-                  <a:schemeClr val="tx1"/>
-                </a:solidFill>
-                <a:latin typeface="Times New Roman" panose="02020603050405020304" pitchFamily="18" charset="0"/>
-                <a:cs typeface="Times New Roman" panose="02020603050405020304" pitchFamily="18" charset="0"/>
-              </a:rPr>
-              <a:t> </a:t>
-            </a:r>
-            <a:r>
-              <a:rPr lang="en-US" dirty="0" err="1">
-                <a:solidFill>
-                  <a:schemeClr val="tx1"/>
-                </a:solidFill>
-                <a:latin typeface="Times New Roman" panose="02020603050405020304" pitchFamily="18" charset="0"/>
-                <a:cs typeface="Times New Roman" panose="02020603050405020304" pitchFamily="18" charset="0"/>
-              </a:rPr>
-              <a:t>thiết</a:t>
-            </a:r>
-            <a:r>
-              <a:rPr lang="en-US" dirty="0">
-                <a:solidFill>
-                  <a:schemeClr val="tx1"/>
-                </a:solidFill>
-                <a:latin typeface="Times New Roman" panose="02020603050405020304" pitchFamily="18" charset="0"/>
-                <a:cs typeface="Times New Roman" panose="02020603050405020304" pitchFamily="18" charset="0"/>
-              </a:rPr>
-              <a:t> </a:t>
-            </a:r>
-            <a:r>
-              <a:rPr lang="en-US" dirty="0" err="1">
-                <a:solidFill>
-                  <a:schemeClr val="tx1"/>
-                </a:solidFill>
-                <a:latin typeface="Times New Roman" panose="02020603050405020304" pitchFamily="18" charset="0"/>
-                <a:cs typeface="Times New Roman" panose="02020603050405020304" pitchFamily="18" charset="0"/>
-              </a:rPr>
-              <a:t>kế</a:t>
+              <a:t>Demo</a:t>
             </a:r>
             <a:endParaRPr lang="en-US" dirty="0"/>
           </a:p>
         </p:txBody>
       </p:sp>
-      <p:sp>
-        <p:nvSpPr>
-          <p:cNvPr id="3" name="Content Placeholder 2">
+      <p:pic>
+        <p:nvPicPr>
+          <p:cNvPr id="1026" name="Picture 2" descr="Demo là gì? Ý nghĩa của từ demo - QuanTriMang.com">
             <a:extLst>
               <a:ext uri="{FF2B5EF4-FFF2-40B4-BE49-F238E27FC236}">
-                <a16:creationId xmlns:a16="http://schemas.microsoft.com/office/drawing/2014/main" id="{D17164D7-C751-5D06-6C5C-A40236CE9EC7}"/>
+                <a16:creationId xmlns:a16="http://schemas.microsoft.com/office/drawing/2014/main" id="{E66960A3-62FD-60B7-CEAC-66F8463505DB}"/>
               </a:ext>
             </a:extLst>
           </p:cNvPr>
-          <p:cNvSpPr>
-            <a:spLocks noGrp="1"/>
-          </p:cNvSpPr>
-          <p:nvPr>
-            <p:ph idx="1"/>
-          </p:nvPr>
-        </p:nvSpPr>
-        <p:spPr>
+          <p:cNvPicPr>
+            <a:picLocks noChangeAspect="1" noChangeArrowheads="1"/>
+          </p:cNvPicPr>
+          <p:nvPr/>
+        </p:nvPicPr>
+        <p:blipFill>
+          <a:blip r:embed="rId2">
+            <a:extLst>
+              <a:ext uri="{28A0092B-C50C-407E-A947-70E740481C1C}">
+                <a14:useLocalDpi xmlns:a14="http://schemas.microsoft.com/office/drawing/2010/main" val="0"/>
+              </a:ext>
+            </a:extLst>
+          </a:blip>
+          <a:srcRect/>
+          <a:stretch>
+            <a:fillRect/>
+          </a:stretch>
+        </p:blipFill>
+        <p:spPr bwMode="auto">
           <a:xfrm>
-            <a:off x="2589212" y="1823207"/>
-            <a:ext cx="8915400" cy="3777622"/>
+            <a:off x="2592925" y="1743076"/>
+            <a:ext cx="6096000" cy="3209925"/>
           </a:xfrm>
+          <a:prstGeom prst="rect">
+            <a:avLst/>
+          </a:prstGeom>
+          <a:noFill/>
+          <a:extLst>
+            <a:ext uri="{909E8E84-426E-40DD-AFC4-6F175D3DCCD1}">
+              <a14:hiddenFill xmlns:a14="http://schemas.microsoft.com/office/drawing/2010/main">
+                <a:solidFill>
+                  <a:srgbClr val="FFFFFF"/>
+                </a:solidFill>
+              </a14:hiddenFill>
+            </a:ext>
+          </a:extLst>
         </p:spPr>
-        <p:txBody>
-          <a:bodyPr/>
-          <a:lstStyle/>
-          <a:p>
-            <a:r>
-              <a:rPr lang="en-US" dirty="0">
-                <a:solidFill>
-                  <a:schemeClr val="tx1"/>
-                </a:solidFill>
-                <a:latin typeface="Times New Roman" panose="02020603050405020304" pitchFamily="18" charset="0"/>
-                <a:cs typeface="Times New Roman" panose="02020603050405020304" pitchFamily="18" charset="0"/>
-              </a:rPr>
-              <a:t>Database Diagram</a:t>
-            </a:r>
-          </a:p>
-          <a:p>
-            <a:r>
-              <a:rPr lang="en-US" dirty="0">
-                <a:solidFill>
-                  <a:schemeClr val="tx1"/>
-                </a:solidFill>
-                <a:latin typeface="Times New Roman" panose="02020603050405020304" pitchFamily="18" charset="0"/>
-                <a:cs typeface="Times New Roman" panose="02020603050405020304" pitchFamily="18" charset="0"/>
-              </a:rPr>
-              <a:t>Mockup </a:t>
-            </a:r>
-            <a:r>
-              <a:rPr lang="en-US" dirty="0" err="1">
-                <a:solidFill>
-                  <a:schemeClr val="tx1"/>
-                </a:solidFill>
-                <a:latin typeface="Times New Roman" panose="02020603050405020304" pitchFamily="18" charset="0"/>
-                <a:cs typeface="Times New Roman" panose="02020603050405020304" pitchFamily="18" charset="0"/>
-              </a:rPr>
-              <a:t>giao</a:t>
-            </a:r>
-            <a:r>
-              <a:rPr lang="en-US" dirty="0">
-                <a:solidFill>
-                  <a:schemeClr val="tx1"/>
-                </a:solidFill>
-                <a:latin typeface="Times New Roman" panose="02020603050405020304" pitchFamily="18" charset="0"/>
-                <a:cs typeface="Times New Roman" panose="02020603050405020304" pitchFamily="18" charset="0"/>
-              </a:rPr>
-              <a:t> </a:t>
-            </a:r>
-            <a:r>
-              <a:rPr lang="en-US" dirty="0" err="1">
-                <a:solidFill>
-                  <a:schemeClr val="tx1"/>
-                </a:solidFill>
-                <a:latin typeface="Times New Roman" panose="02020603050405020304" pitchFamily="18" charset="0"/>
-                <a:cs typeface="Times New Roman" panose="02020603050405020304" pitchFamily="18" charset="0"/>
-              </a:rPr>
-              <a:t>diện</a:t>
-            </a:r>
-            <a:endParaRPr lang="en-US" dirty="0">
-              <a:solidFill>
-                <a:schemeClr val="tx1"/>
-              </a:solidFill>
-              <a:latin typeface="Times New Roman" panose="02020603050405020304" pitchFamily="18" charset="0"/>
-              <a:cs typeface="Times New Roman" panose="02020603050405020304" pitchFamily="18" charset="0"/>
-            </a:endParaRPr>
-          </a:p>
-        </p:txBody>
-      </p:sp>
+      </p:pic>
     </p:spTree>
     <p:extLst>
       <p:ext uri="{BB962C8B-B14F-4D97-AF65-F5344CB8AC3E}">
         <p14:creationId xmlns:p14="http://schemas.microsoft.com/office/powerpoint/2010/main" val="1381724869"/>
-      </p:ext>
-    </p:extLst>
-  </p:cSld>
-  <p:clrMapOvr>
-    <a:masterClrMapping/>
-  </p:clrMapOvr>
-</p:sld>
-</file>
-
-<file path=ppt/slides/slide8.xml><?xml version="1.0" encoding="utf-8"?>
-<p:sld xmlns:a="http://schemas.openxmlformats.org/drawingml/2006/main" xmlns:r="http://schemas.openxmlformats.org/officeDocument/2006/relationships" xmlns:p="http://schemas.openxmlformats.org/presentationml/2006/main">
-  <p:cSld>
-    <p:spTree>
-      <p:nvGrpSpPr>
-        <p:cNvPr id="1" name=""/>
-        <p:cNvGrpSpPr/>
-        <p:nvPr/>
-      </p:nvGrpSpPr>
-      <p:grpSpPr>
-        <a:xfrm>
-          <a:off x="0" y="0"/>
-          <a:ext cx="0" cy="0"/>
-          <a:chOff x="0" y="0"/>
-          <a:chExt cx="0" cy="0"/>
-        </a:xfrm>
-      </p:grpSpPr>
-      <p:sp>
-        <p:nvSpPr>
-          <p:cNvPr id="2" name="Title 1">
-            <a:extLst>
-              <a:ext uri="{FF2B5EF4-FFF2-40B4-BE49-F238E27FC236}">
-                <a16:creationId xmlns:a16="http://schemas.microsoft.com/office/drawing/2014/main" id="{2CC42493-F4C2-711A-F26A-6081944A44CE}"/>
-              </a:ext>
-            </a:extLst>
-          </p:cNvPr>
-          <p:cNvSpPr>
-            <a:spLocks noGrp="1"/>
-          </p:cNvSpPr>
-          <p:nvPr>
-            <p:ph type="title"/>
-          </p:nvPr>
-        </p:nvSpPr>
-        <p:spPr/>
-        <p:txBody>
-          <a:bodyPr/>
-          <a:lstStyle/>
-          <a:p>
-            <a:r>
-              <a:rPr lang="en-US" dirty="0">
-                <a:solidFill>
-                  <a:schemeClr val="tx1"/>
-                </a:solidFill>
-                <a:latin typeface="Times New Roman" panose="02020603050405020304" pitchFamily="18" charset="0"/>
-                <a:cs typeface="Times New Roman" panose="02020603050405020304" pitchFamily="18" charset="0"/>
-              </a:rPr>
-              <a:t>Database Diagram</a:t>
-            </a:r>
-          </a:p>
-        </p:txBody>
-      </p:sp>
-    </p:spTree>
-    <p:extLst>
-      <p:ext uri="{BB962C8B-B14F-4D97-AF65-F5344CB8AC3E}">
-        <p14:creationId xmlns:p14="http://schemas.microsoft.com/office/powerpoint/2010/main" val="567066336"/>
-      </p:ext>
-    </p:extLst>
-  </p:cSld>
-  <p:clrMapOvr>
-    <a:masterClrMapping/>
-  </p:clrMapOvr>
-</p:sld>
-</file>
-
-<file path=ppt/slides/slide9.xml><?xml version="1.0" encoding="utf-8"?>
-<p:sld xmlns:a="http://schemas.openxmlformats.org/drawingml/2006/main" xmlns:r="http://schemas.openxmlformats.org/officeDocument/2006/relationships" xmlns:p="http://schemas.openxmlformats.org/presentationml/2006/main">
-  <p:cSld>
-    <p:spTree>
-      <p:nvGrpSpPr>
-        <p:cNvPr id="1" name=""/>
-        <p:cNvGrpSpPr/>
-        <p:nvPr/>
-      </p:nvGrpSpPr>
-      <p:grpSpPr>
-        <a:xfrm>
-          <a:off x="0" y="0"/>
-          <a:ext cx="0" cy="0"/>
-          <a:chOff x="0" y="0"/>
-          <a:chExt cx="0" cy="0"/>
-        </a:xfrm>
-      </p:grpSpPr>
-      <p:sp>
-        <p:nvSpPr>
-          <p:cNvPr id="2" name="Title 1">
-            <a:extLst>
-              <a:ext uri="{FF2B5EF4-FFF2-40B4-BE49-F238E27FC236}">
-                <a16:creationId xmlns:a16="http://schemas.microsoft.com/office/drawing/2014/main" id="{F3046EC5-2064-2647-FF01-150B88887076}"/>
-              </a:ext>
-            </a:extLst>
-          </p:cNvPr>
-          <p:cNvSpPr>
-            <a:spLocks noGrp="1"/>
-          </p:cNvSpPr>
-          <p:nvPr>
-            <p:ph type="title"/>
-          </p:nvPr>
-        </p:nvSpPr>
-        <p:spPr/>
-        <p:txBody>
-          <a:bodyPr/>
-          <a:lstStyle/>
-          <a:p>
-            <a:r>
-              <a:rPr lang="en-US" dirty="0">
-                <a:latin typeface="Times New Roman" panose="02020603050405020304" pitchFamily="18" charset="0"/>
-                <a:cs typeface="Times New Roman" panose="02020603050405020304" pitchFamily="18" charset="0"/>
-              </a:rPr>
-              <a:t>Mockup </a:t>
-            </a:r>
-            <a:r>
-              <a:rPr lang="en-US" dirty="0" err="1">
-                <a:latin typeface="Times New Roman" panose="02020603050405020304" pitchFamily="18" charset="0"/>
-                <a:cs typeface="Times New Roman" panose="02020603050405020304" pitchFamily="18" charset="0"/>
-              </a:rPr>
-              <a:t>giao</a:t>
-            </a:r>
-            <a:r>
-              <a:rPr lang="en-US" dirty="0">
-                <a:latin typeface="Times New Roman" panose="02020603050405020304" pitchFamily="18" charset="0"/>
-                <a:cs typeface="Times New Roman" panose="02020603050405020304" pitchFamily="18" charset="0"/>
-              </a:rPr>
-              <a:t> </a:t>
-            </a:r>
-            <a:r>
-              <a:rPr lang="en-US" dirty="0" err="1">
-                <a:latin typeface="Times New Roman" panose="02020603050405020304" pitchFamily="18" charset="0"/>
-                <a:cs typeface="Times New Roman" panose="02020603050405020304" pitchFamily="18" charset="0"/>
-              </a:rPr>
-              <a:t>diện</a:t>
-            </a:r>
-            <a:endParaRPr lang="en-US" dirty="0">
-              <a:latin typeface="Times New Roman" panose="02020603050405020304" pitchFamily="18" charset="0"/>
-              <a:cs typeface="Times New Roman" panose="02020603050405020304" pitchFamily="18" charset="0"/>
-            </a:endParaRPr>
-          </a:p>
-        </p:txBody>
-      </p:sp>
-    </p:spTree>
-    <p:extLst>
-      <p:ext uri="{BB962C8B-B14F-4D97-AF65-F5344CB8AC3E}">
-        <p14:creationId xmlns:p14="http://schemas.microsoft.com/office/powerpoint/2010/main" val="532886308"/>
       </p:ext>
     </p:extLst>
   </p:cSld>
